--- a/Learning Phase/Week 2/Day 2/Slides/2. Understanding the Java Virtual - Machine Memory Management/3-java-understanding-solving-memory-problems-m3-slides.pptx
+++ b/Learning Phase/Week 2/Day 2/Slides/2. Understanding the Java Virtual - Machine Memory Management/3-java-understanding-solving-memory-problems-m3-slides.pptx
@@ -5,7 +5,7 @@
     <p:sldMasterId id="2147483648" r:id="rId1"/>
   </p:sldMasterIdLst>
   <p:notesMasterIdLst>
-    <p:notesMasterId r:id="rId20"/>
+    <p:notesMasterId r:id="rId19"/>
   </p:notesMasterIdLst>
   <p:sldIdLst>
     <p:sldId id="256" r:id="rId2"/>
@@ -23,9 +23,8 @@
     <p:sldId id="268" r:id="rId14"/>
     <p:sldId id="270" r:id="rId15"/>
     <p:sldId id="269" r:id="rId16"/>
-    <p:sldId id="271" r:id="rId17"/>
-    <p:sldId id="272" r:id="rId18"/>
-    <p:sldId id="273" r:id="rId19"/>
+    <p:sldId id="272" r:id="rId17"/>
+    <p:sldId id="273" r:id="rId18"/>
   </p:sldIdLst>
   <p:sldSz cx="12192000" cy="6858000"/>
   <p:notesSz cx="12192000" cy="6858000"/>
@@ -135,7 +134,7 @@
           <a:p>
             <a:fld id="{C6138334-477C-404B-A0A1-B5CB73EF8232}" type="datetimeFigureOut">
               <a:rPr lang="en-US" smtClean="0"/>
-              <a:t>10/18/2023</a:t>
+              <a:t>10/20/2023</a:t>
             </a:fld>
             <a:endParaRPr lang="en-US"/>
           </a:p>
@@ -402,6 +401,90 @@
 </p:notesMaster>
 </file>
 
+<file path=ppt/notesSlides/notesSlide1.xml><?xml version="1.0" encoding="utf-8"?>
+<p:notes xmlns:a="http://schemas.openxmlformats.org/drawingml/2006/main" xmlns:r="http://schemas.openxmlformats.org/officeDocument/2006/relationships" xmlns:p="http://schemas.openxmlformats.org/presentationml/2006/main">
+  <p:cSld>
+    <p:spTree>
+      <p:nvGrpSpPr>
+        <p:cNvPr id="1" name=""/>
+        <p:cNvGrpSpPr/>
+        <p:nvPr/>
+      </p:nvGrpSpPr>
+      <p:grpSpPr>
+        <a:xfrm>
+          <a:off x="0" y="0"/>
+          <a:ext cx="0" cy="0"/>
+          <a:chOff x="0" y="0"/>
+          <a:chExt cx="0" cy="0"/>
+        </a:xfrm>
+      </p:grpSpPr>
+      <p:sp>
+        <p:nvSpPr>
+          <p:cNvPr id="2" name="Slide Image Placeholder 1"/>
+          <p:cNvSpPr>
+            <a:spLocks noGrp="1" noRot="1" noChangeAspect="1"/>
+          </p:cNvSpPr>
+          <p:nvPr>
+            <p:ph type="sldImg"/>
+          </p:nvPr>
+        </p:nvSpPr>
+        <p:spPr/>
+      </p:sp>
+      <p:sp>
+        <p:nvSpPr>
+          <p:cNvPr id="3" name="Notes Placeholder 2"/>
+          <p:cNvSpPr>
+            <a:spLocks noGrp="1"/>
+          </p:cNvSpPr>
+          <p:nvPr>
+            <p:ph type="body" idx="1"/>
+          </p:nvPr>
+        </p:nvSpPr>
+        <p:spPr/>
+        <p:txBody>
+          <a:bodyPr/>
+          <a:lstStyle/>
+          <a:p>
+            <a:endParaRPr lang="en-US" dirty="0"/>
+          </a:p>
+        </p:txBody>
+      </p:sp>
+      <p:sp>
+        <p:nvSpPr>
+          <p:cNvPr id="4" name="Slide Number Placeholder 3"/>
+          <p:cNvSpPr>
+            <a:spLocks noGrp="1"/>
+          </p:cNvSpPr>
+          <p:nvPr>
+            <p:ph type="sldNum" sz="quarter" idx="5"/>
+          </p:nvPr>
+        </p:nvSpPr>
+        <p:spPr/>
+        <p:txBody>
+          <a:bodyPr/>
+          <a:lstStyle/>
+          <a:p>
+            <a:fld id="{94C47D94-FC73-4D6E-8BCA-E6DB9691F0C2}" type="slidenum">
+              <a:rPr lang="en-US" smtClean="0"/>
+              <a:t>1</a:t>
+            </a:fld>
+            <a:endParaRPr lang="en-US"/>
+          </a:p>
+        </p:txBody>
+      </p:sp>
+    </p:spTree>
+    <p:extLst>
+      <p:ext uri="{BB962C8B-B14F-4D97-AF65-F5344CB8AC3E}">
+        <p14:creationId xmlns:p14="http://schemas.microsoft.com/office/powerpoint/2010/main" val="2677213435"/>
+      </p:ext>
+    </p:extLst>
+  </p:cSld>
+  <p:clrMapOvr>
+    <a:masterClrMapping/>
+  </p:clrMapOvr>
+</p:notes>
+</file>
+
 <file path=ppt/slideLayouts/slideLayout1.xml><?xml version="1.0" encoding="utf-8"?>
 <p:sldLayout xmlns:a="http://schemas.openxmlformats.org/drawingml/2006/main" xmlns:r="http://schemas.openxmlformats.org/officeDocument/2006/relationships" xmlns:p="http://schemas.openxmlformats.org/presentationml/2006/main" type="obj" preserve="1">
   <p:cSld name="Title Slide">
@@ -553,7 +636,7 @@
           <a:p>
             <a:fld id="{C61CAF28-FDFC-485E-A1B3-0F98E108F153}" type="datetime1">
               <a:rPr lang="en-US" smtClean="0"/>
-              <a:t>10/18/2023</a:t>
+              <a:t>10/20/2023</a:t>
             </a:fld>
             <a:endParaRPr lang="en-US"/>
           </a:p>
@@ -730,7 +813,7 @@
           <a:p>
             <a:fld id="{4D3E7EEB-81D2-4B06-AA83-BC81E01BECF9}" type="datetime1">
               <a:rPr lang="en-US" smtClean="0"/>
-              <a:t>10/18/2023</a:t>
+              <a:t>10/20/2023</a:t>
             </a:fld>
             <a:endParaRPr lang="en-US"/>
           </a:p>
@@ -944,7 +1027,7 @@
           <a:p>
             <a:fld id="{ACF97D7F-BB29-48CA-AEDB-185949FE97D4}" type="datetime1">
               <a:rPr lang="en-US" smtClean="0"/>
-              <a:t>10/18/2023</a:t>
+              <a:t>10/20/2023</a:t>
             </a:fld>
             <a:endParaRPr lang="en-US"/>
           </a:p>
@@ -1122,7 +1205,7 @@
           <a:p>
             <a:fld id="{9AE9D6C0-E48F-4A1E-9B6B-2BD2D9C36873}" type="datetime1">
               <a:rPr lang="en-US" smtClean="0"/>
-              <a:t>10/18/2023</a:t>
+              <a:t>10/20/2023</a:t>
             </a:fld>
             <a:endParaRPr lang="en-US"/>
           </a:p>
@@ -1241,7 +1324,7 @@
           <a:p>
             <a:fld id="{011D48D5-B185-4F60-BD16-7D759FB22C53}" type="datetime1">
               <a:rPr lang="en-US" smtClean="0"/>
-              <a:t>10/18/2023</a:t>
+              <a:t>10/20/2023</a:t>
             </a:fld>
             <a:endParaRPr lang="en-US"/>
           </a:p>
@@ -1466,7 +1549,7 @@
           <a:p>
             <a:fld id="{EF351691-DEEF-42BF-A2B3-82174BA82B84}" type="datetime1">
               <a:rPr lang="en-US" smtClean="0"/>
-              <a:t>10/18/2023</a:t>
+              <a:t>10/20/2023</a:t>
             </a:fld>
             <a:endParaRPr lang="en-US"/>
           </a:p>
@@ -1693,7 +1776,7 @@
           <p:nvPr/>
         </p:nvPicPr>
         <p:blipFill>
-          <a:blip r:embed="rId2" cstate="print"/>
+          <a:blip r:embed="rId3" cstate="print"/>
           <a:stretch>
             <a:fillRect/>
           </a:stretch>
@@ -2104,6 +2187,16 @@
               </a:spcBef>
             </a:pPr>
             <a:r>
+              <a:rPr lang="en-US" sz="2400" dirty="0" err="1">
+                <a:solidFill>
+                  <a:srgbClr val="2A9FBC"/>
+                </a:solidFill>
+                <a:latin typeface="Verdana"/>
+                <a:cs typeface="Verdana"/>
+              </a:rPr>
+              <a:t>Klassified</a:t>
+            </a:r>
+            <a:r>
               <a:rPr lang="en-US" sz="2400" dirty="0">
                 <a:solidFill>
                   <a:srgbClr val="2A9FBC"/>
@@ -2111,67 +2204,7 @@
                 <a:latin typeface="Verdana"/>
                 <a:cs typeface="Verdana"/>
               </a:rPr>
-              <a:t>Books</a:t>
-            </a:r>
-            <a:r>
-              <a:rPr sz="2400" spc="-120" dirty="0">
-                <a:solidFill>
-                  <a:srgbClr val="2A9FBC"/>
-                </a:solidFill>
-                <a:latin typeface="Verdana"/>
-                <a:cs typeface="Verdana"/>
-              </a:rPr>
-              <a:t> </a:t>
-            </a:r>
-            <a:r>
-              <a:rPr sz="2400" dirty="0">
-                <a:solidFill>
-                  <a:srgbClr val="2A9FBC"/>
-                </a:solidFill>
-                <a:latin typeface="Verdana"/>
-                <a:cs typeface="Verdana"/>
-              </a:rPr>
-              <a:t>is</a:t>
-            </a:r>
-            <a:r>
-              <a:rPr sz="2400" spc="-120" dirty="0">
-                <a:solidFill>
-                  <a:srgbClr val="2A9FBC"/>
-                </a:solidFill>
-                <a:latin typeface="Verdana"/>
-                <a:cs typeface="Verdana"/>
-              </a:rPr>
-              <a:t> </a:t>
-            </a:r>
-            <a:r>
-              <a:rPr sz="2400" dirty="0">
-                <a:solidFill>
-                  <a:srgbClr val="2A9FBC"/>
-                </a:solidFill>
-                <a:latin typeface="Verdana"/>
-                <a:cs typeface="Verdana"/>
-              </a:rPr>
-              <a:t>a</a:t>
-            </a:r>
-            <a:r>
-              <a:rPr sz="2400" spc="-125" dirty="0">
-                <a:solidFill>
-                  <a:srgbClr val="2A9FBC"/>
-                </a:solidFill>
-                <a:latin typeface="Verdana"/>
-                <a:cs typeface="Verdana"/>
-              </a:rPr>
-              <a:t> </a:t>
-            </a:r>
-            <a:r>
-              <a:rPr lang="en-US" sz="2400" dirty="0">
-                <a:solidFill>
-                  <a:srgbClr val="2A9FBC"/>
-                </a:solidFill>
-                <a:latin typeface="Verdana"/>
-                <a:cs typeface="Verdana"/>
-              </a:rPr>
-              <a:t>Spring Boot application</a:t>
+              <a:t> is a classified ads web service</a:t>
             </a:r>
             <a:endParaRPr sz="2400" dirty="0">
               <a:latin typeface="Verdana"/>
@@ -2664,54 +2697,28 @@
           <a:chExt cx="0" cy="0"/>
         </a:xfrm>
       </p:grpSpPr>
-      <p:pic>
-        <p:nvPicPr>
+      <p:sp>
+        <p:nvSpPr>
           <p:cNvPr id="2" name="object 2"/>
-          <p:cNvPicPr/>
-          <p:nvPr/>
-        </p:nvPicPr>
-        <p:blipFill>
-          <a:blip r:embed="rId2" cstate="print"/>
-          <a:stretch>
-            <a:fillRect/>
-          </a:stretch>
-        </p:blipFill>
+          <p:cNvSpPr txBox="1">
+            <a:spLocks noGrp="1"/>
+          </p:cNvSpPr>
+          <p:nvPr>
+            <p:ph type="title"/>
+          </p:nvPr>
+        </p:nvSpPr>
         <p:spPr>
-          <a:xfrm>
-            <a:off x="0" y="0"/>
-            <a:ext cx="4636008" cy="6858000"/>
-          </a:xfrm>
           <a:prstGeom prst="rect">
             <a:avLst/>
           </a:prstGeom>
         </p:spPr>
-      </p:pic>
-      <p:sp>
-        <p:nvSpPr>
-          <p:cNvPr id="3" name="object 3"/>
-          <p:cNvSpPr txBox="1">
-            <a:spLocks noGrp="1"/>
-          </p:cNvSpPr>
-          <p:nvPr>
-            <p:ph type="title"/>
-          </p:nvPr>
-        </p:nvSpPr>
-        <p:spPr>
-          <a:xfrm>
-            <a:off x="1626265" y="1916949"/>
-            <a:ext cx="1376680" cy="574040"/>
-          </a:xfrm>
-          <a:prstGeom prst="rect">
-            <a:avLst/>
-          </a:prstGeom>
-        </p:spPr>
         <p:txBody>
           <a:bodyPr vert="horz" wrap="square" lIns="0" tIns="12700" rIns="0" bIns="0" rtlCol="0">
             <a:spAutoFit/>
           </a:bodyPr>
           <a:lstStyle/>
           <a:p>
-            <a:pPr marL="12700">
+            <a:pPr marL="1165860">
               <a:lnSpc>
                 <a:spcPct val="100000"/>
               </a:lnSpc>
@@ -2720,506 +2727,18 @@
               </a:spcBef>
             </a:pPr>
             <a:r>
-              <a:rPr spc="-20" dirty="0">
-                <a:solidFill>
-                  <a:srgbClr val="FFFFFF"/>
-                </a:solidFill>
-              </a:rPr>
-              <a:t>Demo</a:t>
-            </a:r>
-          </a:p>
-        </p:txBody>
-      </p:sp>
-      <p:sp>
-        <p:nvSpPr>
-          <p:cNvPr id="4" name="object 4"/>
-          <p:cNvSpPr txBox="1"/>
-          <p:nvPr/>
-        </p:nvSpPr>
-        <p:spPr>
-          <a:xfrm>
-            <a:off x="5226811" y="2155550"/>
-            <a:ext cx="6395085" cy="2311400"/>
-          </a:xfrm>
-          <a:prstGeom prst="rect">
-            <a:avLst/>
-          </a:prstGeom>
-        </p:spPr>
-        <p:txBody>
-          <a:bodyPr vert="horz" wrap="square" lIns="0" tIns="12700" rIns="0" bIns="0" rtlCol="0">
-            <a:spAutoFit/>
-          </a:bodyPr>
-          <a:lstStyle/>
-          <a:p>
-            <a:pPr marL="12700">
-              <a:lnSpc>
-                <a:spcPct val="100000"/>
-              </a:lnSpc>
-              <a:spcBef>
-                <a:spcPts val="100"/>
-              </a:spcBef>
-            </a:pPr>
-            <a:r>
-              <a:rPr sz="2400" spc="65" dirty="0">
-                <a:solidFill>
-                  <a:srgbClr val="2A9FBC"/>
-                </a:solidFill>
-                <a:latin typeface="Verdana"/>
-                <a:cs typeface="Verdana"/>
-              </a:rPr>
-              <a:t>We’ll</a:t>
-            </a:r>
-            <a:r>
-              <a:rPr sz="2400" spc="-135" dirty="0">
-                <a:solidFill>
-                  <a:srgbClr val="2A9FBC"/>
-                </a:solidFill>
-                <a:latin typeface="Verdana"/>
-                <a:cs typeface="Verdana"/>
-              </a:rPr>
-              <a:t> </a:t>
-            </a:r>
-            <a:r>
-              <a:rPr sz="2400" dirty="0">
-                <a:solidFill>
-                  <a:srgbClr val="2A9FBC"/>
-                </a:solidFill>
-                <a:latin typeface="Verdana"/>
-                <a:cs typeface="Verdana"/>
-              </a:rPr>
-              <a:t>fix</a:t>
-            </a:r>
-            <a:r>
-              <a:rPr sz="2400" spc="-135" dirty="0">
-                <a:solidFill>
-                  <a:srgbClr val="2A9FBC"/>
-                </a:solidFill>
-                <a:latin typeface="Verdana"/>
-                <a:cs typeface="Verdana"/>
-              </a:rPr>
-              <a:t> </a:t>
-            </a:r>
-            <a:r>
-              <a:rPr sz="2400" dirty="0">
-                <a:solidFill>
-                  <a:srgbClr val="2A9FBC"/>
-                </a:solidFill>
-                <a:latin typeface="Verdana"/>
-                <a:cs typeface="Verdana"/>
-              </a:rPr>
-              <a:t>a</a:t>
-            </a:r>
-            <a:r>
-              <a:rPr sz="2400" spc="-135" dirty="0">
-                <a:solidFill>
-                  <a:srgbClr val="2A9FBC"/>
-                </a:solidFill>
-                <a:latin typeface="Verdana"/>
-                <a:cs typeface="Verdana"/>
-              </a:rPr>
-              <a:t> </a:t>
-            </a:r>
-            <a:r>
-              <a:rPr sz="2400" spc="-20" dirty="0">
-                <a:solidFill>
-                  <a:srgbClr val="2A9FBC"/>
-                </a:solidFill>
-                <a:latin typeface="Verdana"/>
-                <a:cs typeface="Verdana"/>
-              </a:rPr>
-              <a:t>similar</a:t>
-            </a:r>
-            <a:r>
-              <a:rPr sz="2400" spc="-135" dirty="0">
-                <a:solidFill>
-                  <a:srgbClr val="2A9FBC"/>
-                </a:solidFill>
-                <a:latin typeface="Verdana"/>
-                <a:cs typeface="Verdana"/>
-              </a:rPr>
-              <a:t> </a:t>
-            </a:r>
-            <a:r>
-              <a:rPr sz="2400" dirty="0">
-                <a:solidFill>
-                  <a:srgbClr val="2A9FBC"/>
-                </a:solidFill>
-                <a:latin typeface="Verdana"/>
-                <a:cs typeface="Verdana"/>
-              </a:rPr>
-              <a:t>memory</a:t>
-            </a:r>
-            <a:r>
-              <a:rPr sz="2400" spc="-135" dirty="0">
-                <a:solidFill>
-                  <a:srgbClr val="2A9FBC"/>
-                </a:solidFill>
-                <a:latin typeface="Verdana"/>
-                <a:cs typeface="Verdana"/>
-              </a:rPr>
-              <a:t> </a:t>
-            </a:r>
-            <a:r>
-              <a:rPr sz="2400" spc="-20" dirty="0">
-                <a:solidFill>
-                  <a:srgbClr val="2A9FBC"/>
-                </a:solidFill>
-                <a:latin typeface="Verdana"/>
-                <a:cs typeface="Verdana"/>
-              </a:rPr>
-              <a:t>leak</a:t>
-            </a:r>
-            <a:endParaRPr sz="2400">
-              <a:latin typeface="Verdana"/>
-              <a:cs typeface="Verdana"/>
-            </a:endParaRPr>
-          </a:p>
-          <a:p>
-            <a:pPr marL="12700" marR="29209">
-              <a:lnSpc>
-                <a:spcPct val="100000"/>
-              </a:lnSpc>
-              <a:spcBef>
-                <a:spcPts val="1800"/>
-              </a:spcBef>
-            </a:pPr>
-            <a:r>
-              <a:rPr sz="2400" dirty="0">
-                <a:solidFill>
-                  <a:srgbClr val="2A9FBC"/>
-                </a:solidFill>
-                <a:latin typeface="Verdana"/>
-                <a:cs typeface="Verdana"/>
-              </a:rPr>
-              <a:t>This</a:t>
-            </a:r>
-            <a:r>
-              <a:rPr sz="2400" spc="-114" dirty="0">
-                <a:solidFill>
-                  <a:srgbClr val="2A9FBC"/>
-                </a:solidFill>
-                <a:latin typeface="Verdana"/>
-                <a:cs typeface="Verdana"/>
-              </a:rPr>
-              <a:t> </a:t>
-            </a:r>
-            <a:r>
-              <a:rPr sz="2400" dirty="0">
-                <a:solidFill>
-                  <a:srgbClr val="2A9FBC"/>
-                </a:solidFill>
-                <a:latin typeface="Verdana"/>
-                <a:cs typeface="Verdana"/>
-              </a:rPr>
-              <a:t>time</a:t>
-            </a:r>
-            <a:r>
-              <a:rPr sz="2400" spc="-114" dirty="0">
-                <a:solidFill>
-                  <a:srgbClr val="2A9FBC"/>
-                </a:solidFill>
-                <a:latin typeface="Verdana"/>
-                <a:cs typeface="Verdana"/>
-              </a:rPr>
-              <a:t> </a:t>
-            </a:r>
-            <a:r>
-              <a:rPr sz="2400" dirty="0">
-                <a:solidFill>
-                  <a:srgbClr val="2A9FBC"/>
-                </a:solidFill>
-                <a:latin typeface="Verdana"/>
-                <a:cs typeface="Verdana"/>
-              </a:rPr>
-              <a:t>in</a:t>
-            </a:r>
-            <a:r>
-              <a:rPr sz="2400" spc="-114" dirty="0">
-                <a:solidFill>
-                  <a:srgbClr val="2A9FBC"/>
-                </a:solidFill>
-                <a:latin typeface="Verdana"/>
-                <a:cs typeface="Verdana"/>
-              </a:rPr>
-              <a:t> </a:t>
-            </a:r>
-            <a:r>
-              <a:rPr sz="2400" dirty="0">
-                <a:solidFill>
-                  <a:srgbClr val="2A9FBC"/>
-                </a:solidFill>
-                <a:latin typeface="Verdana"/>
-                <a:cs typeface="Verdana"/>
-              </a:rPr>
-              <a:t>a</a:t>
-            </a:r>
-            <a:r>
-              <a:rPr sz="2400" spc="-110" dirty="0">
-                <a:solidFill>
-                  <a:srgbClr val="2A9FBC"/>
-                </a:solidFill>
-                <a:latin typeface="Verdana"/>
-                <a:cs typeface="Verdana"/>
-              </a:rPr>
-              <a:t> </a:t>
-            </a:r>
-            <a:r>
-              <a:rPr sz="2400" dirty="0">
-                <a:solidFill>
-                  <a:srgbClr val="2A9FBC"/>
-                </a:solidFill>
-                <a:latin typeface="Verdana"/>
-                <a:cs typeface="Verdana"/>
-              </a:rPr>
-              <a:t>simpler</a:t>
-            </a:r>
-            <a:r>
-              <a:rPr sz="2400" spc="-114" dirty="0">
-                <a:solidFill>
-                  <a:srgbClr val="2A9FBC"/>
-                </a:solidFill>
-                <a:latin typeface="Verdana"/>
-                <a:cs typeface="Verdana"/>
-              </a:rPr>
-              <a:t> </a:t>
-            </a:r>
-            <a:r>
-              <a:rPr sz="2400" dirty="0">
-                <a:solidFill>
-                  <a:srgbClr val="2A9FBC"/>
-                </a:solidFill>
-                <a:latin typeface="Verdana"/>
-                <a:cs typeface="Verdana"/>
-              </a:rPr>
-              <a:t>and</a:t>
-            </a:r>
-            <a:r>
-              <a:rPr sz="2400" spc="-114" dirty="0">
-                <a:solidFill>
-                  <a:srgbClr val="2A9FBC"/>
-                </a:solidFill>
-                <a:latin typeface="Verdana"/>
-                <a:cs typeface="Verdana"/>
-              </a:rPr>
-              <a:t> </a:t>
-            </a:r>
-            <a:r>
-              <a:rPr sz="2400" dirty="0">
-                <a:solidFill>
-                  <a:srgbClr val="2A9FBC"/>
-                </a:solidFill>
-                <a:latin typeface="Verdana"/>
-                <a:cs typeface="Verdana"/>
-              </a:rPr>
-              <a:t>more</a:t>
-            </a:r>
-            <a:r>
-              <a:rPr sz="2400" spc="-114" dirty="0">
-                <a:solidFill>
-                  <a:srgbClr val="2A9FBC"/>
-                </a:solidFill>
-                <a:latin typeface="Verdana"/>
-                <a:cs typeface="Verdana"/>
-              </a:rPr>
-              <a:t> </a:t>
-            </a:r>
-            <a:r>
-              <a:rPr sz="2400" dirty="0">
-                <a:solidFill>
-                  <a:srgbClr val="2A9FBC"/>
-                </a:solidFill>
-                <a:latin typeface="Verdana"/>
-                <a:cs typeface="Verdana"/>
-              </a:rPr>
-              <a:t>cut</a:t>
-            </a:r>
-            <a:r>
-              <a:rPr sz="2400" spc="-110" dirty="0">
-                <a:solidFill>
-                  <a:srgbClr val="2A9FBC"/>
-                </a:solidFill>
-                <a:latin typeface="Verdana"/>
-                <a:cs typeface="Verdana"/>
-              </a:rPr>
-              <a:t> </a:t>
-            </a:r>
-            <a:r>
-              <a:rPr sz="2400" spc="40" dirty="0">
-                <a:solidFill>
-                  <a:srgbClr val="2A9FBC"/>
-                </a:solidFill>
-                <a:latin typeface="Verdana"/>
-                <a:cs typeface="Verdana"/>
-              </a:rPr>
-              <a:t>down </a:t>
-            </a:r>
-            <a:r>
-              <a:rPr sz="2400" spc="-10" dirty="0">
-                <a:solidFill>
-                  <a:srgbClr val="2A9FBC"/>
-                </a:solidFill>
-                <a:latin typeface="Verdana"/>
-                <a:cs typeface="Verdana"/>
-              </a:rPr>
-              <a:t>application</a:t>
-            </a:r>
-            <a:endParaRPr sz="2400">
-              <a:latin typeface="Verdana"/>
-              <a:cs typeface="Verdana"/>
-            </a:endParaRPr>
-          </a:p>
-          <a:p>
-            <a:pPr marL="12700" marR="5080">
-              <a:lnSpc>
-                <a:spcPct val="100000"/>
-              </a:lnSpc>
-              <a:spcBef>
-                <a:spcPts val="1800"/>
-              </a:spcBef>
-            </a:pPr>
-            <a:r>
-              <a:rPr sz="2400" dirty="0">
-                <a:solidFill>
-                  <a:srgbClr val="2A9FBC"/>
-                </a:solidFill>
-                <a:latin typeface="Verdana"/>
-                <a:cs typeface="Verdana"/>
-              </a:rPr>
-              <a:t>Using</a:t>
-            </a:r>
-            <a:r>
-              <a:rPr sz="2400" spc="-95" dirty="0">
-                <a:solidFill>
-                  <a:srgbClr val="2A9FBC"/>
-                </a:solidFill>
-                <a:latin typeface="Verdana"/>
-                <a:cs typeface="Verdana"/>
-              </a:rPr>
-              <a:t> </a:t>
-            </a:r>
-            <a:r>
-              <a:rPr sz="2400" dirty="0">
-                <a:solidFill>
-                  <a:srgbClr val="2A9FBC"/>
-                </a:solidFill>
-                <a:latin typeface="Verdana"/>
-                <a:cs typeface="Verdana"/>
-              </a:rPr>
-              <a:t>it</a:t>
-            </a:r>
-            <a:r>
-              <a:rPr sz="2400" spc="-90" dirty="0">
-                <a:solidFill>
-                  <a:srgbClr val="2A9FBC"/>
-                </a:solidFill>
-                <a:latin typeface="Verdana"/>
-                <a:cs typeface="Verdana"/>
-              </a:rPr>
-              <a:t> </a:t>
-            </a:r>
-            <a:r>
-              <a:rPr sz="2400" spc="70" dirty="0">
-                <a:solidFill>
-                  <a:srgbClr val="2A9FBC"/>
-                </a:solidFill>
-                <a:latin typeface="Verdana"/>
-                <a:cs typeface="Verdana"/>
-              </a:rPr>
-              <a:t>to</a:t>
-            </a:r>
-            <a:r>
-              <a:rPr sz="2400" spc="-95" dirty="0">
-                <a:solidFill>
-                  <a:srgbClr val="2A9FBC"/>
-                </a:solidFill>
-                <a:latin typeface="Verdana"/>
-                <a:cs typeface="Verdana"/>
-              </a:rPr>
-              <a:t> </a:t>
-            </a:r>
-            <a:r>
-              <a:rPr sz="2400" dirty="0">
-                <a:solidFill>
-                  <a:srgbClr val="2A9FBC"/>
-                </a:solidFill>
-                <a:latin typeface="Verdana"/>
-                <a:cs typeface="Verdana"/>
-              </a:rPr>
-              <a:t>illustrate</a:t>
-            </a:r>
-            <a:r>
-              <a:rPr sz="2400" spc="-90" dirty="0">
-                <a:solidFill>
-                  <a:srgbClr val="2A9FBC"/>
-                </a:solidFill>
-                <a:latin typeface="Verdana"/>
-                <a:cs typeface="Verdana"/>
-              </a:rPr>
-              <a:t> </a:t>
-            </a:r>
-            <a:r>
-              <a:rPr sz="2400" dirty="0">
-                <a:solidFill>
-                  <a:srgbClr val="2A9FBC"/>
-                </a:solidFill>
-                <a:latin typeface="Verdana"/>
-                <a:cs typeface="Verdana"/>
-              </a:rPr>
-              <a:t>the</a:t>
-            </a:r>
-            <a:r>
-              <a:rPr sz="2400" spc="-95" dirty="0">
-                <a:solidFill>
-                  <a:srgbClr val="2A9FBC"/>
-                </a:solidFill>
-                <a:latin typeface="Verdana"/>
-                <a:cs typeface="Verdana"/>
-              </a:rPr>
-              <a:t> </a:t>
-            </a:r>
-            <a:r>
-              <a:rPr sz="2400" dirty="0">
-                <a:solidFill>
-                  <a:srgbClr val="2A9FBC"/>
-                </a:solidFill>
-                <a:latin typeface="Verdana"/>
-                <a:cs typeface="Verdana"/>
-              </a:rPr>
-              <a:t>memory</a:t>
-            </a:r>
-            <a:r>
-              <a:rPr sz="2400" spc="-90" dirty="0">
-                <a:solidFill>
-                  <a:srgbClr val="2A9FBC"/>
-                </a:solidFill>
-                <a:latin typeface="Verdana"/>
-                <a:cs typeface="Verdana"/>
-              </a:rPr>
-              <a:t> </a:t>
-            </a:r>
-            <a:r>
-              <a:rPr sz="2400" spc="-10" dirty="0">
-                <a:solidFill>
-                  <a:srgbClr val="2A9FBC"/>
-                </a:solidFill>
-                <a:latin typeface="Verdana"/>
-                <a:cs typeface="Verdana"/>
-              </a:rPr>
-              <a:t>profiling approach</a:t>
-            </a:r>
-            <a:endParaRPr sz="2400">
-              <a:latin typeface="Verdana"/>
-              <a:cs typeface="Verdana"/>
-            </a:endParaRPr>
-          </a:p>
-        </p:txBody>
-      </p:sp>
-      <p:sp>
-        <p:nvSpPr>
-          <p:cNvPr id="5" name="Slide Number Placeholder 4">
+              <a:rPr spc="-10" dirty="0"/>
+              <a:t>Conclusions</a:t>
+            </a:r>
+          </a:p>
+        </p:txBody>
+      </p:sp>
+      <p:sp>
+        <p:nvSpPr>
+          <p:cNvPr id="3" name="Slide Number Placeholder 2">
             <a:extLst>
               <a:ext uri="{FF2B5EF4-FFF2-40B4-BE49-F238E27FC236}">
-                <a16:creationId xmlns:a16="http://schemas.microsoft.com/office/drawing/2014/main" id="{5925004F-1C7B-7815-59D0-7258DADBBBD1}"/>
+                <a16:creationId xmlns:a16="http://schemas.microsoft.com/office/drawing/2014/main" id="{9BB90DB1-0B93-820F-91D1-8ED19AFA0457}"/>
               </a:ext>
             </a:extLst>
           </p:cNvPr>
@@ -3252,96 +2771,6 @@
 </file>
 
 <file path=ppt/slides/slide17.xml><?xml version="1.0" encoding="utf-8"?>
-<p:sld xmlns:a="http://schemas.openxmlformats.org/drawingml/2006/main" xmlns:r="http://schemas.openxmlformats.org/officeDocument/2006/relationships" xmlns:p="http://schemas.openxmlformats.org/presentationml/2006/main">
-  <p:cSld>
-    <p:spTree>
-      <p:nvGrpSpPr>
-        <p:cNvPr id="1" name=""/>
-        <p:cNvGrpSpPr/>
-        <p:nvPr/>
-      </p:nvGrpSpPr>
-      <p:grpSpPr>
-        <a:xfrm>
-          <a:off x="0" y="0"/>
-          <a:ext cx="0" cy="0"/>
-          <a:chOff x="0" y="0"/>
-          <a:chExt cx="0" cy="0"/>
-        </a:xfrm>
-      </p:grpSpPr>
-      <p:sp>
-        <p:nvSpPr>
-          <p:cNvPr id="2" name="object 2"/>
-          <p:cNvSpPr txBox="1">
-            <a:spLocks noGrp="1"/>
-          </p:cNvSpPr>
-          <p:nvPr>
-            <p:ph type="title"/>
-          </p:nvPr>
-        </p:nvSpPr>
-        <p:spPr>
-          <a:prstGeom prst="rect">
-            <a:avLst/>
-          </a:prstGeom>
-        </p:spPr>
-        <p:txBody>
-          <a:bodyPr vert="horz" wrap="square" lIns="0" tIns="12700" rIns="0" bIns="0" rtlCol="0">
-            <a:spAutoFit/>
-          </a:bodyPr>
-          <a:lstStyle/>
-          <a:p>
-            <a:pPr marL="1165860">
-              <a:lnSpc>
-                <a:spcPct val="100000"/>
-              </a:lnSpc>
-              <a:spcBef>
-                <a:spcPts val="100"/>
-              </a:spcBef>
-            </a:pPr>
-            <a:r>
-              <a:rPr spc="-10" dirty="0"/>
-              <a:t>Conclusions</a:t>
-            </a:r>
-          </a:p>
-        </p:txBody>
-      </p:sp>
-      <p:sp>
-        <p:nvSpPr>
-          <p:cNvPr id="3" name="Slide Number Placeholder 2">
-            <a:extLst>
-              <a:ext uri="{FF2B5EF4-FFF2-40B4-BE49-F238E27FC236}">
-                <a16:creationId xmlns:a16="http://schemas.microsoft.com/office/drawing/2014/main" id="{9BB90DB1-0B93-820F-91D1-8ED19AFA0457}"/>
-              </a:ext>
-            </a:extLst>
-          </p:cNvPr>
-          <p:cNvSpPr>
-            <a:spLocks noGrp="1"/>
-          </p:cNvSpPr>
-          <p:nvPr>
-            <p:ph type="sldNum" sz="quarter" idx="7"/>
-          </p:nvPr>
-        </p:nvSpPr>
-        <p:spPr/>
-        <p:txBody>
-          <a:bodyPr/>
-          <a:lstStyle/>
-          <a:p>
-            <a:fld id="{B6F15528-21DE-4FAA-801E-634DDDAF4B2B}" type="slidenum">
-              <a:rPr lang="en-US" smtClean="0"/>
-              <a:t>17</a:t>
-            </a:fld>
-            <a:endParaRPr lang="en-US"/>
-          </a:p>
-        </p:txBody>
-      </p:sp>
-    </p:spTree>
-  </p:cSld>
-  <p:clrMapOvr>
-    <a:masterClrMapping/>
-  </p:clrMapOvr>
-</p:sld>
-</file>
-
-<file path=ppt/slides/slide18.xml><?xml version="1.0" encoding="utf-8"?>
 <p:sld xmlns:a="http://schemas.openxmlformats.org/drawingml/2006/main" xmlns:r="http://schemas.openxmlformats.org/officeDocument/2006/relationships" xmlns:p="http://schemas.openxmlformats.org/presentationml/2006/main">
   <p:cSld>
     <p:spTree>
@@ -3647,7 +3076,7 @@
           <a:p>
             <a:fld id="{B6F15528-21DE-4FAA-801E-634DDDAF4B2B}" type="slidenum">
               <a:rPr lang="en-US" smtClean="0"/>
-              <a:t>18</a:t>
+              <a:t>17</a:t>
             </a:fld>
             <a:endParaRPr lang="en-US"/>
           </a:p>
@@ -4239,13 +3668,13 @@
         </p:nvPicPr>
         <p:blipFill rotWithShape="1">
           <a:blip r:embed="rId2" cstate="print"/>
-          <a:srcRect b="11111"/>
+          <a:srcRect r="34808" b="11111"/>
           <a:stretch/>
         </p:blipFill>
         <p:spPr>
           <a:xfrm>
-            <a:off x="0" y="1"/>
-            <a:ext cx="12191999" cy="6096000"/>
+            <a:off x="2438400" y="453390"/>
+            <a:ext cx="7948246" cy="6096000"/>
           </a:xfrm>
           <a:prstGeom prst="rect">
             <a:avLst/>
